--- a/presentations/source/07-CaseStudies.pptx
+++ b/presentations/source/07-CaseStudies.pptx
@@ -244,7 +244,7 @@
             <a:fld id="{7307762F-A706-E543-A832-3C298AA3103F}" type="datetimeFigureOut">
               <a:rPr lang="en-US" smtClean="0"/>
               <a:pPr/>
-              <a:t>06/12/2012</a:t>
+              <a:t>18/12/2012</a:t>
             </a:fld>
             <a:endParaRPr lang="en-US" dirty="0"/>
           </a:p>
@@ -564,7 +564,7 @@
         <p:nvSpPr>
           <p:cNvPr id="401410" name="Rectangle 2"/>
           <p:cNvSpPr>
-            <a:spLocks noRot="1" noChangeArrowheads="1" noTextEdit="1"/>
+            <a:spLocks noGrp="1" noRot="1" noChangeAspect="1" noChangeArrowheads="1" noTextEdit="1"/>
           </p:cNvSpPr>
           <p:nvPr>
             <p:ph type="sldImg"/>
@@ -653,7 +653,7 @@
         <p:nvSpPr>
           <p:cNvPr id="421890" name="Rectangle 2"/>
           <p:cNvSpPr>
-            <a:spLocks noRot="1" noChangeArrowheads="1" noTextEdit="1"/>
+            <a:spLocks noGrp="1" noRot="1" noChangeAspect="1" noChangeArrowheads="1" noTextEdit="1"/>
           </p:cNvSpPr>
           <p:nvPr>
             <p:ph type="sldImg"/>
@@ -742,7 +742,7 @@
         <p:nvSpPr>
           <p:cNvPr id="424962" name="Rectangle 2"/>
           <p:cNvSpPr>
-            <a:spLocks noRot="1" noChangeArrowheads="1" noTextEdit="1"/>
+            <a:spLocks noGrp="1" noRot="1" noChangeAspect="1" noChangeArrowheads="1" noTextEdit="1"/>
           </p:cNvSpPr>
           <p:nvPr>
             <p:ph type="sldImg"/>
@@ -831,7 +831,7 @@
         <p:nvSpPr>
           <p:cNvPr id="427010" name="Rectangle 2"/>
           <p:cNvSpPr>
-            <a:spLocks noRot="1" noChangeArrowheads="1" noTextEdit="1"/>
+            <a:spLocks noGrp="1" noRot="1" noChangeAspect="1" noChangeArrowheads="1" noTextEdit="1"/>
           </p:cNvSpPr>
           <p:nvPr>
             <p:ph type="sldImg"/>
@@ -920,7 +920,7 @@
         <p:nvSpPr>
           <p:cNvPr id="429058" name="Rectangle 2"/>
           <p:cNvSpPr>
-            <a:spLocks noRot="1" noChangeArrowheads="1" noTextEdit="1"/>
+            <a:spLocks noGrp="1" noRot="1" noChangeAspect="1" noChangeArrowheads="1" noTextEdit="1"/>
           </p:cNvSpPr>
           <p:nvPr>
             <p:ph type="sldImg"/>
@@ -1009,7 +1009,7 @@
         <p:nvSpPr>
           <p:cNvPr id="409602" name="Rectangle 2"/>
           <p:cNvSpPr>
-            <a:spLocks noRot="1" noChangeArrowheads="1" noTextEdit="1"/>
+            <a:spLocks noGrp="1" noRot="1" noChangeAspect="1" noChangeArrowheads="1" noTextEdit="1"/>
           </p:cNvSpPr>
           <p:nvPr>
             <p:ph type="sldImg"/>
@@ -1098,7 +1098,7 @@
         <p:nvSpPr>
           <p:cNvPr id="563202" name="Rectangle 2"/>
           <p:cNvSpPr>
-            <a:spLocks noRot="1" noChangeArrowheads="1" noTextEdit="1"/>
+            <a:spLocks noGrp="1" noRot="1" noChangeAspect="1" noChangeArrowheads="1" noTextEdit="1"/>
           </p:cNvSpPr>
           <p:nvPr>
             <p:ph type="sldImg"/>
@@ -1187,7 +1187,7 @@
         <p:nvSpPr>
           <p:cNvPr id="403458" name="Rectangle 2"/>
           <p:cNvSpPr>
-            <a:spLocks noRot="1" noChangeArrowheads="1" noTextEdit="1"/>
+            <a:spLocks noGrp="1" noRot="1" noChangeAspect="1" noChangeArrowheads="1" noTextEdit="1"/>
           </p:cNvSpPr>
           <p:nvPr>
             <p:ph type="sldImg"/>
@@ -1276,7 +1276,7 @@
         <p:nvSpPr>
           <p:cNvPr id="411650" name="Rectangle 2"/>
           <p:cNvSpPr>
-            <a:spLocks noRot="1" noChangeArrowheads="1" noTextEdit="1"/>
+            <a:spLocks noGrp="1" noRot="1" noChangeAspect="1" noChangeArrowheads="1" noTextEdit="1"/>
           </p:cNvSpPr>
           <p:nvPr>
             <p:ph type="sldImg"/>
@@ -1365,7 +1365,7 @@
         <p:nvSpPr>
           <p:cNvPr id="413698" name="Rectangle 2"/>
           <p:cNvSpPr>
-            <a:spLocks noRot="1" noChangeArrowheads="1" noTextEdit="1"/>
+            <a:spLocks noGrp="1" noRot="1" noChangeAspect="1" noChangeArrowheads="1" noTextEdit="1"/>
           </p:cNvSpPr>
           <p:nvPr>
             <p:ph type="sldImg"/>
@@ -1454,7 +1454,7 @@
         <p:nvSpPr>
           <p:cNvPr id="415746" name="Rectangle 2"/>
           <p:cNvSpPr>
-            <a:spLocks noRot="1" noChangeArrowheads="1" noTextEdit="1"/>
+            <a:spLocks noGrp="1" noRot="1" noChangeAspect="1" noChangeArrowheads="1" noTextEdit="1"/>
           </p:cNvSpPr>
           <p:nvPr>
             <p:ph type="sldImg"/>
@@ -1543,7 +1543,7 @@
         <p:nvSpPr>
           <p:cNvPr id="417794" name="Rectangle 2"/>
           <p:cNvSpPr>
-            <a:spLocks noRot="1" noChangeArrowheads="1" noTextEdit="1"/>
+            <a:spLocks noGrp="1" noRot="1" noChangeAspect="1" noChangeArrowheads="1" noTextEdit="1"/>
           </p:cNvSpPr>
           <p:nvPr>
             <p:ph type="sldImg"/>
@@ -1632,7 +1632,7 @@
         <p:nvSpPr>
           <p:cNvPr id="419842" name="Rectangle 2"/>
           <p:cNvSpPr>
-            <a:spLocks noRot="1" noChangeArrowheads="1" noTextEdit="1"/>
+            <a:spLocks noGrp="1" noRot="1" noChangeAspect="1" noChangeArrowheads="1" noTextEdit="1"/>
           </p:cNvSpPr>
           <p:nvPr>
             <p:ph type="sldImg"/>
@@ -1968,7 +1968,7 @@
           <a:p>
             <a:fld id="{875CF0EB-321F-0749-B37A-89BBA859503C}" type="datetimeFigureOut">
               <a:rPr lang="en-US" smtClean="0"/>
-              <a:t>06/12/2012</a:t>
+              <a:t>18/12/2012</a:t>
             </a:fld>
             <a:endParaRPr lang="en-US"/>
           </a:p>
@@ -2172,7 +2172,7 @@
           <a:p>
             <a:fld id="{875CF0EB-321F-0749-B37A-89BBA859503C}" type="datetimeFigureOut">
               <a:rPr lang="en-US" smtClean="0"/>
-              <a:t>06/12/2012</a:t>
+              <a:t>18/12/2012</a:t>
             </a:fld>
             <a:endParaRPr lang="en-US"/>
           </a:p>
@@ -2366,7 +2366,7 @@
           <a:p>
             <a:fld id="{875CF0EB-321F-0749-B37A-89BBA859503C}" type="datetimeFigureOut">
               <a:rPr lang="en-US" smtClean="0"/>
-              <a:t>06/12/2012</a:t>
+              <a:t>18/12/2012</a:t>
             </a:fld>
             <a:endParaRPr lang="en-US"/>
           </a:p>
@@ -2636,7 +2636,7 @@
           <a:p>
             <a:fld id="{875CF0EB-321F-0749-B37A-89BBA859503C}" type="datetimeFigureOut">
               <a:rPr lang="en-US" smtClean="0"/>
-              <a:t>06/12/2012</a:t>
+              <a:t>18/12/2012</a:t>
             </a:fld>
             <a:endParaRPr lang="en-US"/>
           </a:p>
@@ -2948,7 +2948,7 @@
           <a:p>
             <a:fld id="{875CF0EB-321F-0749-B37A-89BBA859503C}" type="datetimeFigureOut">
               <a:rPr lang="en-US" smtClean="0"/>
-              <a:t>06/12/2012</a:t>
+              <a:t>18/12/2012</a:t>
             </a:fld>
             <a:endParaRPr lang="en-US"/>
           </a:p>
@@ -3394,7 +3394,7 @@
           <a:p>
             <a:fld id="{875CF0EB-321F-0749-B37A-89BBA859503C}" type="datetimeFigureOut">
               <a:rPr lang="en-US" smtClean="0"/>
-              <a:t>06/12/2012</a:t>
+              <a:t>18/12/2012</a:t>
             </a:fld>
             <a:endParaRPr lang="en-US"/>
           </a:p>
@@ -3536,7 +3536,7 @@
           <a:p>
             <a:fld id="{875CF0EB-321F-0749-B37A-89BBA859503C}" type="datetimeFigureOut">
               <a:rPr lang="en-US" smtClean="0"/>
-              <a:t>06/12/2012</a:t>
+              <a:t>18/12/2012</a:t>
             </a:fld>
             <a:endParaRPr lang="en-US"/>
           </a:p>
@@ -3655,7 +3655,7 @@
           <a:p>
             <a:fld id="{875CF0EB-321F-0749-B37A-89BBA859503C}" type="datetimeFigureOut">
               <a:rPr lang="en-US" smtClean="0"/>
-              <a:t>06/12/2012</a:t>
+              <a:t>18/12/2012</a:t>
             </a:fld>
             <a:endParaRPr lang="en-US"/>
           </a:p>
@@ -3956,7 +3956,7 @@
           <a:p>
             <a:fld id="{875CF0EB-321F-0749-B37A-89BBA859503C}" type="datetimeFigureOut">
               <a:rPr lang="en-US" smtClean="0"/>
-              <a:t>06/12/2012</a:t>
+              <a:t>18/12/2012</a:t>
             </a:fld>
             <a:endParaRPr lang="en-US"/>
           </a:p>
@@ -4233,7 +4233,7 @@
           <a:p>
             <a:fld id="{875CF0EB-321F-0749-B37A-89BBA859503C}" type="datetimeFigureOut">
               <a:rPr lang="en-US" smtClean="0"/>
-              <a:t>06/12/2012</a:t>
+              <a:t>18/12/2012</a:t>
             </a:fld>
             <a:endParaRPr lang="en-US"/>
           </a:p>
@@ -5034,10 +5034,56 @@
           <a:lstStyle/>
           <a:p>
             <a:r>
-              <a:rPr lang="en-US" dirty="0" smtClean="0"/>
+              <a:rPr lang="en-US" smtClean="0"/>
               <a:t>Case Studies</a:t>
             </a:r>
             <a:endParaRPr lang="en-US" dirty="0"/>
+          </a:p>
+        </p:txBody>
+      </p:sp>
+      <p:sp>
+        <p:nvSpPr>
+          <p:cNvPr id="4" name="Subtitle 3"/>
+          <p:cNvSpPr>
+            <a:spLocks noGrp="1"/>
+          </p:cNvSpPr>
+          <p:nvPr>
+            <p:ph type="subTitle" idx="1"/>
+          </p:nvPr>
+        </p:nvSpPr>
+        <p:spPr/>
+        <p:txBody>
+          <a:bodyPr/>
+          <a:lstStyle/>
+          <a:p>
+            <a:r>
+              <a:rPr lang="en-US" dirty="0">
+                <a:ea typeface="ヒラギノ角ゴ ProN W3" charset="0"/>
+                <a:cs typeface="ヒラギノ角ゴ ProN W3" charset="0"/>
+              </a:rPr>
+              <a:t>Oxford University </a:t>
+            </a:r>
+          </a:p>
+          <a:p>
+            <a:r>
+              <a:rPr lang="en-US" dirty="0">
+                <a:ea typeface="ヒラギノ角ゴ ProN W3" charset="0"/>
+                <a:cs typeface="ヒラギノ角ゴ ProN W3" charset="0"/>
+              </a:rPr>
+              <a:t>Software Engineering Programme</a:t>
+            </a:r>
+          </a:p>
+          <a:p>
+            <a:r>
+              <a:rPr lang="en-US">
+                <a:ea typeface="ヒラギノ角ゴ ProN W3" charset="0"/>
+                <a:cs typeface="ヒラギノ角ゴ ProN W3" charset="0"/>
+              </a:rPr>
+              <a:t>Dec 2012</a:t>
+            </a:r>
+          </a:p>
+          <a:p>
+            <a:endParaRPr lang="en-US"/>
           </a:p>
         </p:txBody>
       </p:sp>
@@ -5260,11 +5306,11 @@
   <p:clrMapOvr>
     <a:masterClrMapping/>
   </p:clrMapOvr>
-  <mc:AlternateContent xmlns:mc="http://schemas.openxmlformats.org/markup-compatibility/2006">
-    <mc:Choice xmlns:p14="http://schemas.microsoft.com/office/powerpoint/2010/main" Requires="p14">
+  <mc:AlternateContent xmlns:mc="http://schemas.openxmlformats.org/markup-compatibility/2006" xmlns:p14="http://schemas.microsoft.com/office/powerpoint/2010/main">
+    <mc:Choice Requires="p14">
       <p:transition spd="slow" p14:dur="2000"/>
     </mc:Choice>
-    <mc:Fallback>
+    <mc:Fallback xmlns="">
       <p:transition xmlns:p14="http://schemas.microsoft.com/office/powerpoint/2010/main" spd="slow"/>
     </mc:Fallback>
   </mc:AlternateContent>
@@ -6984,7 +7030,7 @@
         <p:nvGraphicFramePr>
           <p:cNvPr id="20484" name="Object 4"/>
           <p:cNvGraphicFramePr>
-            <a:graphicFrameLocks noChangeAspect="1"/>
+            <a:graphicFrameLocks noGrp="1" noChangeAspect="1"/>
           </p:cNvGraphicFramePr>
           <p:nvPr>
             <p:ph idx="1"/>
@@ -6998,7 +7044,7 @@
           <a:graphicData uri="http://schemas.openxmlformats.org/presentationml/2006/ole">
             <mc:AlternateContent xmlns:mc="http://schemas.openxmlformats.org/markup-compatibility/2006">
               <mc:Choice xmlns:v="urn:schemas-microsoft-com:vml" Requires="v">
-                <p:oleObj spid="_x0000_s4102" name="Bitmap Image" r:id="rId3" imgW="1305107" imgH="647619" progId="Paint.Picture">
+                <p:oleObj spid="_x0000_s4104" name="Bitmap Image" r:id="rId3" imgW="1305107" imgH="647619" progId="Paint.Picture">
                   <p:embed/>
                 </p:oleObj>
               </mc:Choice>
@@ -7133,7 +7179,7 @@
         <p:nvPicPr>
           <p:cNvPr id="75780" name="Picture 4"/>
           <p:cNvPicPr>
-            <a:picLocks noChangeAspect="1" noChangeArrowheads="1"/>
+            <a:picLocks noGrp="1" noChangeAspect="1" noChangeArrowheads="1"/>
           </p:cNvPicPr>
           <p:nvPr>
             <p:ph idx="1"/>
@@ -9134,7 +9180,7 @@
           <a:graphicData uri="http://schemas.openxmlformats.org/presentationml/2006/ole">
             <mc:AlternateContent xmlns:mc="http://schemas.openxmlformats.org/markup-compatibility/2006">
               <mc:Choice xmlns:v="urn:schemas-microsoft-com:vml" Requires="v">
-                <p:oleObj spid="_x0000_s1028" name="Bitmap Image" r:id="rId4" imgW="2381582" imgH="1009791" progId="Paint.Picture">
+                <p:oleObj spid="_x0000_s1030" name="Bitmap Image" r:id="rId4" imgW="2381582" imgH="1009791" progId="Paint.Picture">
                   <p:embed/>
                 </p:oleObj>
               </mc:Choice>
@@ -9292,11 +9338,11 @@
   <p:clrMapOvr>
     <a:masterClrMapping/>
   </p:clrMapOvr>
-  <mc:AlternateContent xmlns:mc="http://schemas.openxmlformats.org/markup-compatibility/2006">
-    <mc:Choice xmlns:p14="http://schemas.microsoft.com/office/powerpoint/2010/main" Requires="p14">
+  <mc:AlternateContent xmlns:mc="http://schemas.openxmlformats.org/markup-compatibility/2006" xmlns:p14="http://schemas.microsoft.com/office/powerpoint/2010/main">
+    <mc:Choice Requires="p14">
       <p:transition spd="slow" p14:dur="2000"/>
     </mc:Choice>
-    <mc:Fallback>
+    <mc:Fallback xmlns="">
       <p:transition xmlns:p14="http://schemas.microsoft.com/office/powerpoint/2010/main" spd="slow"/>
     </mc:Fallback>
   </mc:AlternateContent>
@@ -9346,7 +9392,7 @@
         <p:nvPicPr>
           <p:cNvPr id="64516" name="Picture 4"/>
           <p:cNvPicPr>
-            <a:picLocks noChangeAspect="1" noChangeArrowheads="1"/>
+            <a:picLocks noGrp="1" noChangeAspect="1" noChangeArrowheads="1"/>
           </p:cNvPicPr>
           <p:nvPr>
             <p:ph idx="1"/>
@@ -9872,7 +9918,7 @@
         <p:nvPicPr>
           <p:cNvPr id="77828" name="Picture 4"/>
           <p:cNvPicPr>
-            <a:picLocks noChangeAspect="1" noChangeArrowheads="1"/>
+            <a:picLocks noGrp="1" noChangeAspect="1" noChangeArrowheads="1"/>
           </p:cNvPicPr>
           <p:nvPr>
             <p:ph idx="1"/>
@@ -9978,7 +10024,7 @@
         <p:nvGraphicFramePr>
           <p:cNvPr id="22532" name="Object 4"/>
           <p:cNvGraphicFramePr>
-            <a:graphicFrameLocks noChangeAspect="1"/>
+            <a:graphicFrameLocks noGrp="1" noChangeAspect="1"/>
           </p:cNvGraphicFramePr>
           <p:nvPr>
             <p:ph idx="1"/>
@@ -9992,7 +10038,7 @@
           <a:graphicData uri="http://schemas.openxmlformats.org/presentationml/2006/ole">
             <mc:AlternateContent xmlns:mc="http://schemas.openxmlformats.org/markup-compatibility/2006">
               <mc:Choice xmlns:v="urn:schemas-microsoft-com:vml" Requires="v">
-                <p:oleObj spid="_x0000_s14342" name="Bitmap Image" r:id="rId3" imgW="1533739" imgH="990738" progId="Paint.Picture">
+                <p:oleObj spid="_x0000_s14344" name="Bitmap Image" r:id="rId3" imgW="1533739" imgH="990738" progId="Paint.Picture">
                   <p:embed/>
                 </p:oleObj>
               </mc:Choice>
@@ -10572,7 +10618,7 @@
         <p:nvPicPr>
           <p:cNvPr id="86020" name="Picture 4"/>
           <p:cNvPicPr>
-            <a:picLocks noChangeAspect="1" noChangeArrowheads="1"/>
+            <a:picLocks noGrp="1" noChangeAspect="1" noChangeArrowheads="1"/>
           </p:cNvPicPr>
           <p:nvPr>
             <p:ph idx="1"/>
@@ -11670,7 +11716,7 @@
         <p:nvGraphicFramePr>
           <p:cNvPr id="31754" name="Object 10"/>
           <p:cNvGraphicFramePr>
-            <a:graphicFrameLocks noChangeAspect="1"/>
+            <a:graphicFrameLocks noGrp="1" noChangeAspect="1"/>
           </p:cNvGraphicFramePr>
           <p:nvPr>
             <p:ph idx="1"/>
@@ -11689,7 +11735,7 @@
           <a:graphicData uri="http://schemas.openxmlformats.org/presentationml/2006/ole">
             <mc:AlternateContent xmlns:mc="http://schemas.openxmlformats.org/markup-compatibility/2006">
               <mc:Choice xmlns:v="urn:schemas-microsoft-com:vml" Requires="v">
-                <p:oleObj spid="_x0000_s22534" name="Bitmap Image" r:id="rId3" imgW="6638095" imgH="5866667" progId="Paint.Picture">
+                <p:oleObj spid="_x0000_s22536" name="Bitmap Image" r:id="rId3" imgW="6638095" imgH="5866667" progId="Paint.Picture">
                   <p:embed/>
                 </p:oleObj>
               </mc:Choice>
@@ -11934,7 +11980,7 @@
         <p:nvPicPr>
           <p:cNvPr id="34820" name="Picture 4"/>
           <p:cNvPicPr>
-            <a:picLocks noChangeAspect="1" noChangeArrowheads="1"/>
+            <a:picLocks noGrp="1" noChangeAspect="1" noChangeArrowheads="1"/>
           </p:cNvPicPr>
           <p:nvPr>
             <p:ph idx="1"/>
@@ -12555,7 +12601,7 @@
         <p:nvPicPr>
           <p:cNvPr id="561156" name="Picture 4"/>
           <p:cNvPicPr>
-            <a:picLocks noChangeAspect="1" noChangeArrowheads="1"/>
+            <a:picLocks noGrp="1" noChangeAspect="1" noChangeArrowheads="1"/>
           </p:cNvPicPr>
           <p:nvPr>
             <p:ph idx="1"/>
@@ -12593,11 +12639,11 @@
   <p:clrMapOvr>
     <a:masterClrMapping/>
   </p:clrMapOvr>
-  <mc:AlternateContent xmlns:mc="http://schemas.openxmlformats.org/markup-compatibility/2006">
-    <mc:Choice xmlns:p14="http://schemas.microsoft.com/office/powerpoint/2010/main" Requires="p14">
+  <mc:AlternateContent xmlns:mc="http://schemas.openxmlformats.org/markup-compatibility/2006" xmlns:p14="http://schemas.microsoft.com/office/powerpoint/2010/main">
+    <mc:Choice Requires="p14">
       <p:transition spd="slow" p14:dur="2000"/>
     </mc:Choice>
-    <mc:Fallback>
+    <mc:Fallback xmlns="">
       <p:transition xmlns:p14="http://schemas.microsoft.com/office/powerpoint/2010/main" spd="slow"/>
     </mc:Fallback>
   </mc:AlternateContent>
@@ -13114,7 +13160,7 @@
         <p:nvPicPr>
           <p:cNvPr id="45065" name="Picture 9"/>
           <p:cNvPicPr>
-            <a:picLocks noChangeAspect="1" noChangeArrowheads="1"/>
+            <a:picLocks noGrp="1" noChangeAspect="1" noChangeArrowheads="1"/>
           </p:cNvPicPr>
           <p:nvPr>
             <p:ph idx="1"/>
@@ -13218,7 +13264,7 @@
         <p:nvPicPr>
           <p:cNvPr id="67588" name="Picture 4"/>
           <p:cNvPicPr>
-            <a:picLocks noChangeAspect="1" noChangeArrowheads="1"/>
+            <a:picLocks noGrp="1" noChangeAspect="1" noChangeArrowheads="1"/>
           </p:cNvPicPr>
           <p:nvPr>
             <p:ph idx="1"/>
@@ -13320,7 +13366,7 @@
         <p:nvPicPr>
           <p:cNvPr id="52231" name="Picture 7"/>
           <p:cNvPicPr>
-            <a:picLocks noChangeAspect="1" noChangeArrowheads="1"/>
+            <a:picLocks noGrp="1" noChangeAspect="1" noChangeArrowheads="1"/>
           </p:cNvPicPr>
           <p:nvPr>
             <p:ph idx="1"/>

--- a/presentations/source/07-CaseStudies.pptx
+++ b/presentations/source/07-CaseStudies.pptx
@@ -5,7 +5,7 @@
     <p:sldMasterId id="2147483648" r:id="rId1"/>
   </p:sldMasterIdLst>
   <p:notesMasterIdLst>
-    <p:notesMasterId r:id="rId50"/>
+    <p:notesMasterId r:id="rId52"/>
   </p:notesMasterIdLst>
   <p:sldIdLst>
     <p:sldId id="256" r:id="rId2"/>
@@ -49,13 +49,15 @@
     <p:sldId id="319" r:id="rId40"/>
     <p:sldId id="320" r:id="rId41"/>
     <p:sldId id="321" r:id="rId42"/>
-    <p:sldId id="296" r:id="rId43"/>
-    <p:sldId id="297" r:id="rId44"/>
-    <p:sldId id="298" r:id="rId45"/>
-    <p:sldId id="299" r:id="rId46"/>
-    <p:sldId id="300" r:id="rId47"/>
-    <p:sldId id="301" r:id="rId48"/>
-    <p:sldId id="302" r:id="rId49"/>
+    <p:sldId id="322" r:id="rId43"/>
+    <p:sldId id="323" r:id="rId44"/>
+    <p:sldId id="296" r:id="rId45"/>
+    <p:sldId id="297" r:id="rId46"/>
+    <p:sldId id="298" r:id="rId47"/>
+    <p:sldId id="299" r:id="rId48"/>
+    <p:sldId id="300" r:id="rId49"/>
+    <p:sldId id="301" r:id="rId50"/>
+    <p:sldId id="302" r:id="rId51"/>
   </p:sldIdLst>
   <p:sldSz cx="9144000" cy="6858000" type="screen4x3"/>
   <p:notesSz cx="6858000" cy="9144000"/>
@@ -244,7 +246,7 @@
             <a:fld id="{7307762F-A706-E543-A832-3C298AA3103F}" type="datetimeFigureOut">
               <a:rPr lang="en-US" smtClean="0"/>
               <a:pPr/>
-              <a:t>18/12/2012</a:t>
+              <a:t>11/27/13</a:t>
             </a:fld>
             <a:endParaRPr lang="en-US" dirty="0"/>
           </a:p>
@@ -1968,7 +1970,7 @@
           <a:p>
             <a:fld id="{875CF0EB-321F-0749-B37A-89BBA859503C}" type="datetimeFigureOut">
               <a:rPr lang="en-US" smtClean="0"/>
-              <a:t>18/12/2012</a:t>
+              <a:t>11/27/13</a:t>
             </a:fld>
             <a:endParaRPr lang="en-US"/>
           </a:p>
@@ -2172,7 +2174,7 @@
           <a:p>
             <a:fld id="{875CF0EB-321F-0749-B37A-89BBA859503C}" type="datetimeFigureOut">
               <a:rPr lang="en-US" smtClean="0"/>
-              <a:t>18/12/2012</a:t>
+              <a:t>11/27/13</a:t>
             </a:fld>
             <a:endParaRPr lang="en-US"/>
           </a:p>
@@ -2366,7 +2368,7 @@
           <a:p>
             <a:fld id="{875CF0EB-321F-0749-B37A-89BBA859503C}" type="datetimeFigureOut">
               <a:rPr lang="en-US" smtClean="0"/>
-              <a:t>18/12/2012</a:t>
+              <a:t>11/27/13</a:t>
             </a:fld>
             <a:endParaRPr lang="en-US"/>
           </a:p>
@@ -2636,7 +2638,7 @@
           <a:p>
             <a:fld id="{875CF0EB-321F-0749-B37A-89BBA859503C}" type="datetimeFigureOut">
               <a:rPr lang="en-US" smtClean="0"/>
-              <a:t>18/12/2012</a:t>
+              <a:t>11/27/13</a:t>
             </a:fld>
             <a:endParaRPr lang="en-US"/>
           </a:p>
@@ -2948,7 +2950,7 @@
           <a:p>
             <a:fld id="{875CF0EB-321F-0749-B37A-89BBA859503C}" type="datetimeFigureOut">
               <a:rPr lang="en-US" smtClean="0"/>
-              <a:t>18/12/2012</a:t>
+              <a:t>11/27/13</a:t>
             </a:fld>
             <a:endParaRPr lang="en-US"/>
           </a:p>
@@ -3394,7 +3396,7 @@
           <a:p>
             <a:fld id="{875CF0EB-321F-0749-B37A-89BBA859503C}" type="datetimeFigureOut">
               <a:rPr lang="en-US" smtClean="0"/>
-              <a:t>18/12/2012</a:t>
+              <a:t>11/27/13</a:t>
             </a:fld>
             <a:endParaRPr lang="en-US"/>
           </a:p>
@@ -3536,7 +3538,7 @@
           <a:p>
             <a:fld id="{875CF0EB-321F-0749-B37A-89BBA859503C}" type="datetimeFigureOut">
               <a:rPr lang="en-US" smtClean="0"/>
-              <a:t>18/12/2012</a:t>
+              <a:t>11/27/13</a:t>
             </a:fld>
             <a:endParaRPr lang="en-US"/>
           </a:p>
@@ -3655,7 +3657,7 @@
           <a:p>
             <a:fld id="{875CF0EB-321F-0749-B37A-89BBA859503C}" type="datetimeFigureOut">
               <a:rPr lang="en-US" smtClean="0"/>
-              <a:t>18/12/2012</a:t>
+              <a:t>11/27/13</a:t>
             </a:fld>
             <a:endParaRPr lang="en-US"/>
           </a:p>
@@ -3956,7 +3958,7 @@
           <a:p>
             <a:fld id="{875CF0EB-321F-0749-B37A-89BBA859503C}" type="datetimeFigureOut">
               <a:rPr lang="en-US" smtClean="0"/>
-              <a:t>18/12/2012</a:t>
+              <a:t>11/27/13</a:t>
             </a:fld>
             <a:endParaRPr lang="en-US"/>
           </a:p>
@@ -4233,7 +4235,7 @@
           <a:p>
             <a:fld id="{875CF0EB-321F-0749-B37A-89BBA859503C}" type="datetimeFigureOut">
               <a:rPr lang="en-US" smtClean="0"/>
-              <a:t>18/12/2012</a:t>
+              <a:t>11/27/13</a:t>
             </a:fld>
             <a:endParaRPr lang="en-US"/>
           </a:p>
@@ -7044,7 +7046,7 @@
           <a:graphicData uri="http://schemas.openxmlformats.org/presentationml/2006/ole">
             <mc:AlternateContent xmlns:mc="http://schemas.openxmlformats.org/markup-compatibility/2006">
               <mc:Choice xmlns:v="urn:schemas-microsoft-com:vml" Requires="v">
-                <p:oleObj spid="_x0000_s4104" name="Bitmap Image" r:id="rId3" imgW="1305107" imgH="647619" progId="Paint.Picture">
+                <p:oleObj spid="_x0000_s4107" name="Bitmap Image" r:id="rId3" imgW="1305107" imgH="647619" progId="Paint.Picture">
                   <p:embed/>
                 </p:oleObj>
               </mc:Choice>
@@ -9180,7 +9182,7 @@
           <a:graphicData uri="http://schemas.openxmlformats.org/presentationml/2006/ole">
             <mc:AlternateContent xmlns:mc="http://schemas.openxmlformats.org/markup-compatibility/2006">
               <mc:Choice xmlns:v="urn:schemas-microsoft-com:vml" Requires="v">
-                <p:oleObj spid="_x0000_s1030" name="Bitmap Image" r:id="rId4" imgW="2381582" imgH="1009791" progId="Paint.Picture">
+                <p:oleObj spid="_x0000_s1033" name="Bitmap Image" r:id="rId4" imgW="2381582" imgH="1009791" progId="Paint.Picture">
                   <p:embed/>
                 </p:oleObj>
               </mc:Choice>
@@ -10038,7 +10040,7 @@
           <a:graphicData uri="http://schemas.openxmlformats.org/presentationml/2006/ole">
             <mc:AlternateContent xmlns:mc="http://schemas.openxmlformats.org/markup-compatibility/2006">
               <mc:Choice xmlns:v="urn:schemas-microsoft-com:vml" Requires="v">
-                <p:oleObj spid="_x0000_s14344" name="Bitmap Image" r:id="rId3" imgW="1533739" imgH="990738" progId="Paint.Picture">
+                <p:oleObj spid="_x0000_s14347" name="Bitmap Image" r:id="rId3" imgW="1533739" imgH="990738" progId="Paint.Picture">
                   <p:embed/>
                 </p:oleObj>
               </mc:Choice>
@@ -11735,7 +11737,7 @@
           <a:graphicData uri="http://schemas.openxmlformats.org/presentationml/2006/ole">
             <mc:AlternateContent xmlns:mc="http://schemas.openxmlformats.org/markup-compatibility/2006">
               <mc:Choice xmlns:v="urn:schemas-microsoft-com:vml" Requires="v">
-                <p:oleObj spid="_x0000_s22536" name="Bitmap Image" r:id="rId3" imgW="6638095" imgH="5866667" progId="Paint.Picture">
+                <p:oleObj spid="_x0000_s22539" name="Bitmap Image" r:id="rId3" imgW="6638095" imgH="5866667" progId="Paint.Picture">
                   <p:embed/>
                 </p:oleObj>
               </mc:Choice>
@@ -12863,9 +12865,9 @@
       </p:grpSpPr>
       <p:sp>
         <p:nvSpPr>
-          <p:cNvPr id="66562" name="Rectangle 2"/>
-          <p:cNvSpPr>
-            <a:spLocks noGrp="1" noChangeArrowheads="1"/>
+          <p:cNvPr id="2" name="Title 1"/>
+          <p:cNvSpPr>
+            <a:spLocks noGrp="1"/>
           </p:cNvSpPr>
           <p:nvPr>
             <p:ph type="title"/>
@@ -12877,183 +12879,77 @@
           <a:lstStyle/>
           <a:p>
             <a:r>
-              <a:rPr lang="en-US"/>
-              <a:t>Anti-patterns</a:t>
-            </a:r>
-          </a:p>
-        </p:txBody>
-      </p:sp>
-      <p:sp>
-        <p:nvSpPr>
-          <p:cNvPr id="66563" name="Rectangle 3"/>
-          <p:cNvSpPr>
-            <a:spLocks noGrp="1" noChangeArrowheads="1"/>
-          </p:cNvSpPr>
-          <p:nvPr>
-            <p:ph type="body" idx="1"/>
+              <a:rPr lang="en-US" dirty="0" smtClean="0"/>
+              <a:t>Twitter Architecture</a:t>
+            </a:r>
+            <a:endParaRPr lang="en-US" dirty="0"/>
+          </a:p>
+        </p:txBody>
+      </p:sp>
+      <p:sp>
+        <p:nvSpPr>
+          <p:cNvPr id="3" name="Content Placeholder 2"/>
+          <p:cNvSpPr>
+            <a:spLocks noGrp="1"/>
+          </p:cNvSpPr>
+          <p:nvPr>
+            <p:ph idx="1"/>
           </p:nvPr>
         </p:nvSpPr>
         <p:spPr/>
         <p:txBody>
-          <a:bodyPr>
-            <a:normAutofit fontScale="92500" lnSpcReduction="10000"/>
-          </a:bodyPr>
-          <a:lstStyle/>
-          <a:p>
-            <a:r>
-              <a:rPr lang="en-US" sz="2000"/>
-              <a:t>Use a full waterfall model</a:t>
-            </a:r>
-          </a:p>
-          <a:p>
-            <a:r>
-              <a:rPr lang="en-US" sz="2000"/>
-              <a:t>Don</a:t>
-            </a:r>
-            <a:r>
-              <a:rPr lang="ja-JP" altLang="en-US" sz="2000">
-                <a:latin typeface="Arial"/>
+          <a:bodyPr/>
+          <a:lstStyle/>
+          <a:p>
+            <a:r>
+              <a:rPr lang="en-US" dirty="0" smtClean="0"/>
+              <a:t>Open Sourced their technology:</a:t>
+            </a:r>
+          </a:p>
+          <a:p>
+            <a:pPr lvl="1"/>
+            <a:r>
+              <a:rPr lang="en-US" dirty="0" smtClean="0"/>
+              <a:t>Finagle</a:t>
+            </a:r>
+          </a:p>
+          <a:p>
+            <a:pPr lvl="1"/>
+            <a:r>
+              <a:rPr lang="en-US" dirty="0">
+                <a:hlinkClick r:id="rId2"/>
               </a:rPr>
-              <a:t>’</a:t>
-            </a:r>
-            <a:r>
-              <a:rPr lang="en-US" sz="2000"/>
-              <a:t>t budget time for integration test</a:t>
-            </a:r>
+              <a:t>http://twitter.github.io/finagle</a:t>
+            </a:r>
+            <a:r>
+              <a:rPr lang="en-US" dirty="0" smtClean="0">
+                <a:hlinkClick r:id="rId2"/>
+              </a:rPr>
+              <a:t>/</a:t>
+            </a:r>
+            <a:endParaRPr lang="en-US" dirty="0" smtClean="0"/>
           </a:p>
           <a:p>
             <a:pPr lvl="1"/>
             <a:r>
-              <a:rPr lang="en-US" sz="2000"/>
-              <a:t>Assume that standard coding unit test-&gt;integration test will work</a:t>
-            </a:r>
-          </a:p>
-          <a:p>
-            <a:r>
-              <a:rPr lang="en-US" sz="2000"/>
-              <a:t>Build unit tests that don</a:t>
-            </a:r>
-            <a:r>
-              <a:rPr lang="ja-JP" altLang="en-US" sz="2000">
-                <a:latin typeface="Arial"/>
-              </a:rPr>
-              <a:t>’</a:t>
-            </a:r>
-            <a:r>
-              <a:rPr lang="en-US" sz="2000"/>
-              <a:t>t test interoperability</a:t>
+              <a:rPr lang="en-US" dirty="0" smtClean="0"/>
+              <a:t>Called an RPC system, but completely asynchronous</a:t>
             </a:r>
           </a:p>
           <a:p>
             <a:pPr lvl="1"/>
             <a:r>
-              <a:rPr lang="en-US" sz="2000"/>
-              <a:t>E.g. Simulate XML request/response inside the calling system rather than calling a remote system</a:t>
-            </a:r>
-          </a:p>
-          <a:p>
-            <a:r>
-              <a:rPr lang="en-US" sz="2000"/>
-              <a:t>Wait until all the systems are ready before starting any integration test</a:t>
-            </a:r>
-          </a:p>
-          <a:p>
-            <a:pPr lvl="1"/>
-            <a:r>
-              <a:rPr lang="en-US" sz="2000"/>
-              <a:t>A delay to one system will hold up testing all the others</a:t>
-            </a:r>
-          </a:p>
-          <a:p>
-            <a:r>
-              <a:rPr lang="en-US" sz="2000"/>
-              <a:t>Don</a:t>
-            </a:r>
-            <a:r>
-              <a:rPr lang="ja-JP" altLang="en-US" sz="2000">
-                <a:latin typeface="Arial"/>
-              </a:rPr>
-              <a:t>’</a:t>
-            </a:r>
-            <a:r>
-              <a:rPr lang="en-US" sz="2000"/>
-              <a:t>t bother with continuous build and test</a:t>
-            </a:r>
-          </a:p>
-          <a:p>
-            <a:pPr lvl="1"/>
-            <a:r>
-              <a:rPr lang="en-US" sz="2000"/>
-              <a:t>Even better build by hand</a:t>
-            </a:r>
-          </a:p>
-          <a:p>
-            <a:pPr lvl="1"/>
-            <a:r>
-              <a:rPr lang="en-US" sz="2000" b="1"/>
-              <a:t>Even better </a:t>
-            </a:r>
-            <a:r>
-              <a:rPr lang="en-US" sz="2000"/>
-              <a:t>test by hand too</a:t>
-            </a:r>
-            <a:endParaRPr lang="en-US" sz="2000" b="1"/>
-          </a:p>
-          <a:p>
-            <a:r>
-              <a:rPr lang="en-US" sz="2000"/>
-              <a:t>Have a nice complex process to hand over from development to test</a:t>
-            </a:r>
-          </a:p>
-          <a:p>
-            <a:pPr lvl="1"/>
-            <a:r>
-              <a:rPr lang="en-US" sz="2000"/>
-              <a:t>That way each defect will take a long time</a:t>
-            </a:r>
-          </a:p>
-          <a:p>
-            <a:r>
-              <a:rPr lang="en-US" sz="2000"/>
-              <a:t>Wait until the project is failing to find out your team doesn</a:t>
-            </a:r>
-            <a:r>
-              <a:rPr lang="ja-JP" altLang="en-US" sz="2000">
-                <a:latin typeface="Arial"/>
-              </a:rPr>
-              <a:t>’</a:t>
-            </a:r>
-            <a:r>
-              <a:rPr lang="en-US" sz="2000"/>
-              <a:t>t have the skills</a:t>
-            </a:r>
-          </a:p>
-          <a:p>
-            <a:endParaRPr lang="en-US" sz="2000"/>
-          </a:p>
-          <a:p>
-            <a:endParaRPr lang="en-US" sz="2000"/>
-          </a:p>
-          <a:p>
-            <a:endParaRPr lang="en-US" sz="2000"/>
-          </a:p>
-          <a:p>
-            <a:pPr lvl="1"/>
-            <a:endParaRPr lang="en-US" sz="2000"/>
-          </a:p>
-          <a:p>
-            <a:pPr lvl="1"/>
-            <a:endParaRPr lang="en-US" sz="2000"/>
-          </a:p>
-          <a:p>
-            <a:endParaRPr lang="en-US" sz="2000"/>
+              <a:rPr lang="en-US" dirty="0" smtClean="0"/>
+              <a:t>Based on “Services”</a:t>
+            </a:r>
+            <a:endParaRPr lang="en-US" dirty="0"/>
           </a:p>
         </p:txBody>
       </p:sp>
     </p:spTree>
     <p:extLst>
       <p:ext uri="{BB962C8B-B14F-4D97-AF65-F5344CB8AC3E}">
-        <p14:creationId xmlns:p14="http://schemas.microsoft.com/office/powerpoint/2010/main" val="4084570117"/>
+        <p14:creationId xmlns:p14="http://schemas.microsoft.com/office/powerpoint/2010/main" val="3242829601"/>
       </p:ext>
     </p:extLst>
   </p:cSld>
@@ -13082,30 +12978,69 @@
       </p:grpSpPr>
       <p:sp>
         <p:nvSpPr>
-          <p:cNvPr id="41986" name="Rectangle 2"/>
-          <p:cNvSpPr>
-            <a:spLocks noGrp="1" noChangeArrowheads="1"/>
-          </p:cNvSpPr>
-          <p:nvPr>
-            <p:ph type="ctrTitle"/>
+          <p:cNvPr id="2" name="Title 1"/>
+          <p:cNvSpPr>
+            <a:spLocks noGrp="1"/>
+          </p:cNvSpPr>
+          <p:nvPr>
+            <p:ph type="title"/>
           </p:nvPr>
         </p:nvSpPr>
         <p:spPr/>
         <p:txBody>
-          <a:bodyPr/>
-          <a:lstStyle/>
-          <a:p>
-            <a:r>
-              <a:rPr lang="en-US" sz="4000"/>
-              <a:t>Conclusions</a:t>
-            </a:r>
-          </a:p>
-        </p:txBody>
-      </p:sp>
+          <a:bodyPr>
+            <a:noAutofit/>
+          </a:bodyPr>
+          <a:lstStyle/>
+          <a:p>
+            <a:r>
+              <a:rPr lang="en-US" sz="3200" dirty="0">
+                <a:hlinkClick r:id="rId2"/>
+              </a:rPr>
+              <a:t>http://monkey.org/~marius/talks/twittersystems/#</a:t>
+            </a:r>
+            <a:r>
+              <a:rPr lang="en-US" sz="3200" dirty="0" smtClean="0">
+                <a:hlinkClick r:id="rId2"/>
+              </a:rPr>
+              <a:t>4</a:t>
+            </a:r>
+            <a:r>
+              <a:rPr lang="en-US" sz="3200" dirty="0" smtClean="0"/>
+              <a:t> </a:t>
+            </a:r>
+            <a:endParaRPr lang="en-US" sz="3200" dirty="0"/>
+          </a:p>
+        </p:txBody>
+      </p:sp>
+      <p:pic>
+        <p:nvPicPr>
+          <p:cNvPr id="4" name="Picture 3"/>
+          <p:cNvPicPr>
+            <a:picLocks noChangeAspect="1"/>
+          </p:cNvPicPr>
+          <p:nvPr/>
+        </p:nvPicPr>
+        <p:blipFill>
+          <a:blip r:embed="rId3"/>
+          <a:stretch>
+            <a:fillRect/>
+          </a:stretch>
+        </p:blipFill>
+        <p:spPr>
+          <a:xfrm>
+            <a:off x="762000" y="1417638"/>
+            <a:ext cx="6924842" cy="4468282"/>
+          </a:xfrm>
+          <a:prstGeom prst="rect">
+            <a:avLst/>
+          </a:prstGeom>
+        </p:spPr>
+      </p:pic>
     </p:spTree>
     <p:extLst>
       <p:ext uri="{BB962C8B-B14F-4D97-AF65-F5344CB8AC3E}">
-        <p14:creationId xmlns:p14="http://schemas.microsoft.com/office/powerpoint/2010/main" val="2206938465"/>
+        <p14:creationId xmlns:p14="http://schemas.microsoft.com/office/powerpoint/2010/main" val="2746753823"/>
       </p:ext>
     </p:extLst>
   </p:cSld>
@@ -13134,7 +13069,7 @@
       </p:grpSpPr>
       <p:sp>
         <p:nvSpPr>
-          <p:cNvPr id="45060" name="Rectangle 4"/>
+          <p:cNvPr id="66562" name="Rectangle 2"/>
           <p:cNvSpPr>
             <a:spLocks noGrp="1" noChangeArrowheads="1"/>
           </p:cNvSpPr>
@@ -13144,72 +13079,187 @@
         </p:nvSpPr>
         <p:spPr/>
         <p:txBody>
+          <a:bodyPr/>
+          <a:lstStyle/>
+          <a:p>
+            <a:r>
+              <a:rPr lang="en-US"/>
+              <a:t>Anti-patterns</a:t>
+            </a:r>
+          </a:p>
+        </p:txBody>
+      </p:sp>
+      <p:sp>
+        <p:nvSpPr>
+          <p:cNvPr id="66563" name="Rectangle 3"/>
+          <p:cNvSpPr>
+            <a:spLocks noGrp="1" noChangeArrowheads="1"/>
+          </p:cNvSpPr>
+          <p:nvPr>
+            <p:ph type="body" idx="1"/>
+          </p:nvPr>
+        </p:nvSpPr>
+        <p:spPr/>
+        <p:txBody>
           <a:bodyPr>
-            <a:normAutofit fontScale="90000"/>
+            <a:normAutofit fontScale="92500" lnSpcReduction="10000"/>
           </a:bodyPr>
           <a:lstStyle/>
           <a:p>
             <a:r>
-              <a:rPr lang="en-US"/>
-              <a:t>Thin slice prototyping is always a good idea</a:t>
-            </a:r>
-          </a:p>
-        </p:txBody>
-      </p:sp>
-      <p:pic>
-        <p:nvPicPr>
-          <p:cNvPr id="45065" name="Picture 9"/>
-          <p:cNvPicPr>
-            <a:picLocks noGrp="1" noChangeAspect="1" noChangeArrowheads="1"/>
-          </p:cNvPicPr>
-          <p:nvPr>
-            <p:ph idx="1"/>
-          </p:nvPr>
-        </p:nvPicPr>
-        <p:blipFill>
-          <a:blip r:embed="rId2">
-            <a:extLst>
-              <a:ext uri="{28A0092B-C50C-407E-A947-70E740481C1C}">
-                <a14:useLocalDpi xmlns:a14="http://schemas.microsoft.com/office/drawing/2010/main" val="0"/>
-              </a:ext>
-            </a:extLst>
-          </a:blip>
-          <a:srcRect/>
-          <a:stretch>
-            <a:fillRect/>
-          </a:stretch>
-        </p:blipFill>
-        <p:spPr>
-          <a:xfrm>
-            <a:off x="1437120" y="1696192"/>
-            <a:ext cx="6531840" cy="4355017"/>
-          </a:xfrm>
-          <a:ln/>
-          <a:extLst>
-            <a:ext uri="{909E8E84-426E-40dd-AFC4-6F175D3DCCD1}">
-              <a14:hiddenFill xmlns:a14="http://schemas.microsoft.com/office/drawing/2010/main">
-                <a:solidFill>
-                  <a:srgbClr val="00B8FF"/>
-                </a:solidFill>
-              </a14:hiddenFill>
-            </a:ext>
-            <a:ext uri="{91240B29-F687-4f45-9708-019B960494DF}">
-              <a14:hiddenLine xmlns:a14="http://schemas.microsoft.com/office/drawing/2010/main" w="9525">
-                <a:solidFill>
-                  <a:schemeClr val="tx1"/>
-                </a:solidFill>
-                <a:miter lim="800000"/>
-                <a:headEnd/>
-                <a:tailEnd/>
-              </a14:hiddenLine>
-            </a:ext>
-          </a:extLst>
-        </p:spPr>
-      </p:pic>
+              <a:rPr lang="en-US" sz="2000"/>
+              <a:t>Use a full waterfall model</a:t>
+            </a:r>
+          </a:p>
+          <a:p>
+            <a:r>
+              <a:rPr lang="en-US" sz="2000"/>
+              <a:t>Don</a:t>
+            </a:r>
+            <a:r>
+              <a:rPr lang="ja-JP" altLang="en-US" sz="2000">
+                <a:latin typeface="Arial"/>
+              </a:rPr>
+              <a:t>’</a:t>
+            </a:r>
+            <a:r>
+              <a:rPr lang="en-US" sz="2000"/>
+              <a:t>t budget time for integration test</a:t>
+            </a:r>
+          </a:p>
+          <a:p>
+            <a:pPr lvl="1"/>
+            <a:r>
+              <a:rPr lang="en-US" sz="2000"/>
+              <a:t>Assume that standard coding unit test-&gt;integration test will work</a:t>
+            </a:r>
+          </a:p>
+          <a:p>
+            <a:r>
+              <a:rPr lang="en-US" sz="2000"/>
+              <a:t>Build unit tests that don</a:t>
+            </a:r>
+            <a:r>
+              <a:rPr lang="ja-JP" altLang="en-US" sz="2000">
+                <a:latin typeface="Arial"/>
+              </a:rPr>
+              <a:t>’</a:t>
+            </a:r>
+            <a:r>
+              <a:rPr lang="en-US" sz="2000"/>
+              <a:t>t test interoperability</a:t>
+            </a:r>
+          </a:p>
+          <a:p>
+            <a:pPr lvl="1"/>
+            <a:r>
+              <a:rPr lang="en-US" sz="2000"/>
+              <a:t>E.g. Simulate XML request/response inside the calling system rather than calling a remote system</a:t>
+            </a:r>
+          </a:p>
+          <a:p>
+            <a:r>
+              <a:rPr lang="en-US" sz="2000"/>
+              <a:t>Wait until all the systems are ready before starting any integration test</a:t>
+            </a:r>
+          </a:p>
+          <a:p>
+            <a:pPr lvl="1"/>
+            <a:r>
+              <a:rPr lang="en-US" sz="2000"/>
+              <a:t>A delay to one system will hold up testing all the others</a:t>
+            </a:r>
+          </a:p>
+          <a:p>
+            <a:r>
+              <a:rPr lang="en-US" sz="2000"/>
+              <a:t>Don</a:t>
+            </a:r>
+            <a:r>
+              <a:rPr lang="ja-JP" altLang="en-US" sz="2000">
+                <a:latin typeface="Arial"/>
+              </a:rPr>
+              <a:t>’</a:t>
+            </a:r>
+            <a:r>
+              <a:rPr lang="en-US" sz="2000"/>
+              <a:t>t bother with continuous build and test</a:t>
+            </a:r>
+          </a:p>
+          <a:p>
+            <a:pPr lvl="1"/>
+            <a:r>
+              <a:rPr lang="en-US" sz="2000"/>
+              <a:t>Even better build by hand</a:t>
+            </a:r>
+          </a:p>
+          <a:p>
+            <a:pPr lvl="1"/>
+            <a:r>
+              <a:rPr lang="en-US" sz="2000" b="1"/>
+              <a:t>Even better </a:t>
+            </a:r>
+            <a:r>
+              <a:rPr lang="en-US" sz="2000"/>
+              <a:t>test by hand too</a:t>
+            </a:r>
+            <a:endParaRPr lang="en-US" sz="2000" b="1"/>
+          </a:p>
+          <a:p>
+            <a:r>
+              <a:rPr lang="en-US" sz="2000"/>
+              <a:t>Have a nice complex process to hand over from development to test</a:t>
+            </a:r>
+          </a:p>
+          <a:p>
+            <a:pPr lvl="1"/>
+            <a:r>
+              <a:rPr lang="en-US" sz="2000"/>
+              <a:t>That way each defect will take a long time</a:t>
+            </a:r>
+          </a:p>
+          <a:p>
+            <a:r>
+              <a:rPr lang="en-US" sz="2000"/>
+              <a:t>Wait until the project is failing to find out your team doesn</a:t>
+            </a:r>
+            <a:r>
+              <a:rPr lang="ja-JP" altLang="en-US" sz="2000">
+                <a:latin typeface="Arial"/>
+              </a:rPr>
+              <a:t>’</a:t>
+            </a:r>
+            <a:r>
+              <a:rPr lang="en-US" sz="2000"/>
+              <a:t>t have the skills</a:t>
+            </a:r>
+          </a:p>
+          <a:p>
+            <a:endParaRPr lang="en-US" sz="2000"/>
+          </a:p>
+          <a:p>
+            <a:endParaRPr lang="en-US" sz="2000"/>
+          </a:p>
+          <a:p>
+            <a:endParaRPr lang="en-US" sz="2000"/>
+          </a:p>
+          <a:p>
+            <a:pPr lvl="1"/>
+            <a:endParaRPr lang="en-US" sz="2000"/>
+          </a:p>
+          <a:p>
+            <a:pPr lvl="1"/>
+            <a:endParaRPr lang="en-US" sz="2000"/>
+          </a:p>
+          <a:p>
+            <a:endParaRPr lang="en-US" sz="2000"/>
+          </a:p>
+        </p:txBody>
+      </p:sp>
     </p:spTree>
     <p:extLst>
       <p:ext uri="{BB962C8B-B14F-4D97-AF65-F5344CB8AC3E}">
-        <p14:creationId xmlns:p14="http://schemas.microsoft.com/office/powerpoint/2010/main" val="83771588"/>
+        <p14:creationId xmlns:p14="http://schemas.microsoft.com/office/powerpoint/2010/main" val="4084570117"/>
       </p:ext>
     </p:extLst>
   </p:cSld>
@@ -13238,82 +13288,30 @@
       </p:grpSpPr>
       <p:sp>
         <p:nvSpPr>
-          <p:cNvPr id="67586" name="Rectangle 2"/>
+          <p:cNvPr id="41986" name="Rectangle 2"/>
           <p:cNvSpPr>
             <a:spLocks noGrp="1" noChangeArrowheads="1"/>
           </p:cNvSpPr>
           <p:nvPr>
-            <p:ph type="title"/>
+            <p:ph type="ctrTitle"/>
           </p:nvPr>
         </p:nvSpPr>
         <p:spPr/>
         <p:txBody>
-          <a:bodyPr>
-            <a:normAutofit fontScale="90000"/>
-          </a:bodyPr>
-          <a:lstStyle/>
-          <a:p>
-            <a:r>
-              <a:rPr lang="en-US"/>
-              <a:t>Iterative project plans are essential</a:t>
-            </a:r>
-          </a:p>
-        </p:txBody>
-      </p:sp>
-      <p:pic>
-        <p:nvPicPr>
-          <p:cNvPr id="67588" name="Picture 4"/>
-          <p:cNvPicPr>
-            <a:picLocks noGrp="1" noChangeAspect="1" noChangeArrowheads="1"/>
-          </p:cNvPicPr>
-          <p:nvPr>
-            <p:ph idx="1"/>
-          </p:nvPr>
-        </p:nvPicPr>
-        <p:blipFill>
-          <a:blip r:embed="rId2">
-            <a:extLst>
-              <a:ext uri="{28A0092B-C50C-407E-A947-70E740481C1C}">
-                <a14:useLocalDpi xmlns:a14="http://schemas.microsoft.com/office/drawing/2010/main" val="0"/>
-              </a:ext>
-            </a:extLst>
-          </a:blip>
-          <a:srcRect/>
-          <a:stretch>
-            <a:fillRect/>
-          </a:stretch>
-        </p:blipFill>
-        <p:spPr>
-          <a:xfrm>
-            <a:off x="783360" y="1012427"/>
-            <a:ext cx="6400800" cy="4779861"/>
-          </a:xfrm>
-          <a:ln/>
-          <a:extLst>
-            <a:ext uri="{909E8E84-426E-40dd-AFC4-6F175D3DCCD1}">
-              <a14:hiddenFill xmlns:a14="http://schemas.microsoft.com/office/drawing/2010/main">
-                <a:solidFill>
-                  <a:srgbClr val="00B8FF"/>
-                </a:solidFill>
-              </a14:hiddenFill>
-            </a:ext>
-            <a:ext uri="{91240B29-F687-4f45-9708-019B960494DF}">
-              <a14:hiddenLine xmlns:a14="http://schemas.microsoft.com/office/drawing/2010/main" w="9525">
-                <a:solidFill>
-                  <a:schemeClr val="tx1"/>
-                </a:solidFill>
-                <a:miter lim="800000"/>
-                <a:headEnd/>
-                <a:tailEnd/>
-              </a14:hiddenLine>
-            </a:ext>
-          </a:extLst>
-        </p:spPr>
-      </p:pic>
+          <a:bodyPr/>
+          <a:lstStyle/>
+          <a:p>
+            <a:r>
+              <a:rPr lang="en-US" sz="4000"/>
+              <a:t>Conclusions</a:t>
+            </a:r>
+          </a:p>
+        </p:txBody>
+      </p:sp>
     </p:spTree>
     <p:extLst>
       <p:ext uri="{BB962C8B-B14F-4D97-AF65-F5344CB8AC3E}">
-        <p14:creationId xmlns:p14="http://schemas.microsoft.com/office/powerpoint/2010/main" val="1868308924"/>
+        <p14:creationId xmlns:p14="http://schemas.microsoft.com/office/powerpoint/2010/main" val="2206938465"/>
       </p:ext>
     </p:extLst>
   </p:cSld>
@@ -13342,7 +13340,7 @@
       </p:grpSpPr>
       <p:sp>
         <p:nvSpPr>
-          <p:cNvPr id="52228" name="Rectangle 4"/>
+          <p:cNvPr id="45060" name="Rectangle 4"/>
           <p:cNvSpPr>
             <a:spLocks noGrp="1" noChangeArrowheads="1"/>
           </p:cNvSpPr>
@@ -13352,19 +13350,21 @@
         </p:nvSpPr>
         <p:spPr/>
         <p:txBody>
-          <a:bodyPr/>
-          <a:lstStyle/>
-          <a:p>
-            <a:r>
-              <a:rPr lang="en-US"/>
-              <a:t>Prove the concept to the business</a:t>
+          <a:bodyPr>
+            <a:normAutofit fontScale="90000"/>
+          </a:bodyPr>
+          <a:lstStyle/>
+          <a:p>
+            <a:r>
+              <a:rPr lang="en-US"/>
+              <a:t>Thin slice prototyping is always a good idea</a:t>
             </a:r>
           </a:p>
         </p:txBody>
       </p:sp>
       <p:pic>
         <p:nvPicPr>
-          <p:cNvPr id="52231" name="Picture 7"/>
+          <p:cNvPr id="45065" name="Picture 9"/>
           <p:cNvPicPr>
             <a:picLocks noGrp="1" noChangeAspect="1" noChangeArrowheads="1"/>
           </p:cNvPicPr>
@@ -13387,8 +13387,8 @@
         </p:blipFill>
         <p:spPr>
           <a:xfrm>
-            <a:off x="326881" y="1273094"/>
-            <a:ext cx="8164800" cy="3776076"/>
+            <a:off x="1437120" y="1696192"/>
+            <a:ext cx="6531840" cy="4355017"/>
           </a:xfrm>
           <a:ln/>
           <a:extLst>
@@ -13415,7 +13415,7 @@
     </p:spTree>
     <p:extLst>
       <p:ext uri="{BB962C8B-B14F-4D97-AF65-F5344CB8AC3E}">
-        <p14:creationId xmlns:p14="http://schemas.microsoft.com/office/powerpoint/2010/main" val="3758268313"/>
+        <p14:creationId xmlns:p14="http://schemas.microsoft.com/office/powerpoint/2010/main" val="83771588"/>
       </p:ext>
     </p:extLst>
   </p:cSld>
@@ -13444,7 +13444,7 @@
       </p:grpSpPr>
       <p:sp>
         <p:nvSpPr>
-          <p:cNvPr id="47108" name="Rectangle 4"/>
+          <p:cNvPr id="67586" name="Rectangle 2"/>
           <p:cNvSpPr>
             <a:spLocks noGrp="1" noChangeArrowheads="1"/>
           </p:cNvSpPr>
@@ -13452,27 +13452,82 @@
             <p:ph type="title"/>
           </p:nvPr>
         </p:nvSpPr>
+        <p:spPr/>
+        <p:txBody>
+          <a:bodyPr>
+            <a:normAutofit fontScale="90000"/>
+          </a:bodyPr>
+          <a:lstStyle/>
+          <a:p>
+            <a:r>
+              <a:rPr lang="en-US" dirty="0"/>
+              <a:t>Iterative project plans are </a:t>
+            </a:r>
+            <a:r>
+              <a:rPr lang="en-US" dirty="0" smtClean="0"/>
+              <a:t>essential</a:t>
+            </a:r>
+            <a:br>
+              <a:rPr lang="en-US" dirty="0" smtClean="0"/>
+            </a:br>
+            <a:endParaRPr lang="en-US" dirty="0"/>
+          </a:p>
+        </p:txBody>
+      </p:sp>
+      <p:pic>
+        <p:nvPicPr>
+          <p:cNvPr id="67588" name="Picture 4"/>
+          <p:cNvPicPr>
+            <a:picLocks noGrp="1" noChangeAspect="1" noChangeArrowheads="1"/>
+          </p:cNvPicPr>
+          <p:nvPr>
+            <p:ph idx="1"/>
+          </p:nvPr>
+        </p:nvPicPr>
+        <p:blipFill>
+          <a:blip r:embed="rId2">
+            <a:extLst>
+              <a:ext uri="{28A0092B-C50C-407E-A947-70E740481C1C}">
+                <a14:useLocalDpi xmlns:a14="http://schemas.microsoft.com/office/drawing/2010/main" val="0"/>
+              </a:ext>
+            </a:extLst>
+          </a:blip>
+          <a:srcRect/>
+          <a:stretch>
+            <a:fillRect/>
+          </a:stretch>
+        </p:blipFill>
         <p:spPr>
           <a:xfrm>
-            <a:off x="457200" y="2912018"/>
-            <a:ext cx="8229600" cy="1143000"/>
-          </a:xfrm>
-        </p:spPr>
-        <p:txBody>
-          <a:bodyPr/>
-          <a:lstStyle/>
-          <a:p>
-            <a:r>
-              <a:rPr lang="en-US" dirty="0"/>
-              <a:t>KISS</a:t>
-            </a:r>
-          </a:p>
-        </p:txBody>
-      </p:sp>
+            <a:off x="783360" y="1012427"/>
+            <a:ext cx="6400800" cy="4779861"/>
+          </a:xfrm>
+          <a:ln/>
+          <a:extLst>
+            <a:ext uri="{909E8E84-426E-40dd-AFC4-6F175D3DCCD1}">
+              <a14:hiddenFill xmlns:a14="http://schemas.microsoft.com/office/drawing/2010/main">
+                <a:solidFill>
+                  <a:srgbClr val="00B8FF"/>
+                </a:solidFill>
+              </a14:hiddenFill>
+            </a:ext>
+            <a:ext uri="{91240B29-F687-4f45-9708-019B960494DF}">
+              <a14:hiddenLine xmlns:a14="http://schemas.microsoft.com/office/drawing/2010/main" w="9525">
+                <a:solidFill>
+                  <a:schemeClr val="tx1"/>
+                </a:solidFill>
+                <a:miter lim="800000"/>
+                <a:headEnd/>
+                <a:tailEnd/>
+              </a14:hiddenLine>
+            </a:ext>
+          </a:extLst>
+        </p:spPr>
+      </p:pic>
     </p:spTree>
     <p:extLst>
       <p:ext uri="{BB962C8B-B14F-4D97-AF65-F5344CB8AC3E}">
-        <p14:creationId xmlns:p14="http://schemas.microsoft.com/office/powerpoint/2010/main" val="2101536445"/>
+        <p14:creationId xmlns:p14="http://schemas.microsoft.com/office/powerpoint/2010/main" val="1868308924"/>
       </p:ext>
     </p:extLst>
   </p:cSld>
@@ -13501,7 +13556,7 @@
       </p:grpSpPr>
       <p:sp>
         <p:nvSpPr>
-          <p:cNvPr id="49158" name="Rectangle 6"/>
+          <p:cNvPr id="52228" name="Rectangle 4"/>
           <p:cNvSpPr>
             <a:spLocks noGrp="1" noChangeArrowheads="1"/>
           </p:cNvSpPr>
@@ -13516,15 +13571,122 @@
           <a:p>
             <a:r>
               <a:rPr lang="en-US"/>
-              <a:t>Questions?</a:t>
-            </a:r>
-          </a:p>
-        </p:txBody>
-      </p:sp>
+              <a:t>Prove the concept to the business</a:t>
+            </a:r>
+          </a:p>
+        </p:txBody>
+      </p:sp>
+      <p:pic>
+        <p:nvPicPr>
+          <p:cNvPr id="52231" name="Picture 7"/>
+          <p:cNvPicPr>
+            <a:picLocks noGrp="1" noChangeAspect="1" noChangeArrowheads="1"/>
+          </p:cNvPicPr>
+          <p:nvPr>
+            <p:ph idx="1"/>
+          </p:nvPr>
+        </p:nvPicPr>
+        <p:blipFill>
+          <a:blip r:embed="rId2">
+            <a:extLst>
+              <a:ext uri="{28A0092B-C50C-407E-A947-70E740481C1C}">
+                <a14:useLocalDpi xmlns:a14="http://schemas.microsoft.com/office/drawing/2010/main" val="0"/>
+              </a:ext>
+            </a:extLst>
+          </a:blip>
+          <a:srcRect/>
+          <a:stretch>
+            <a:fillRect/>
+          </a:stretch>
+        </p:blipFill>
+        <p:spPr>
+          <a:xfrm>
+            <a:off x="326881" y="1273094"/>
+            <a:ext cx="8164800" cy="3776076"/>
+          </a:xfrm>
+          <a:ln/>
+          <a:extLst>
+            <a:ext uri="{909E8E84-426E-40dd-AFC4-6F175D3DCCD1}">
+              <a14:hiddenFill xmlns:a14="http://schemas.microsoft.com/office/drawing/2010/main">
+                <a:solidFill>
+                  <a:srgbClr val="00B8FF"/>
+                </a:solidFill>
+              </a14:hiddenFill>
+            </a:ext>
+            <a:ext uri="{91240B29-F687-4f45-9708-019B960494DF}">
+              <a14:hiddenLine xmlns:a14="http://schemas.microsoft.com/office/drawing/2010/main" w="9525">
+                <a:solidFill>
+                  <a:schemeClr val="tx1"/>
+                </a:solidFill>
+                <a:miter lim="800000"/>
+                <a:headEnd/>
+                <a:tailEnd/>
+              </a14:hiddenLine>
+            </a:ext>
+          </a:extLst>
+        </p:spPr>
+      </p:pic>
     </p:spTree>
     <p:extLst>
       <p:ext uri="{BB962C8B-B14F-4D97-AF65-F5344CB8AC3E}">
-        <p14:creationId xmlns:p14="http://schemas.microsoft.com/office/powerpoint/2010/main" val="2082390290"/>
+        <p14:creationId xmlns:p14="http://schemas.microsoft.com/office/powerpoint/2010/main" val="3758268313"/>
+      </p:ext>
+    </p:extLst>
+  </p:cSld>
+  <p:clrMapOvr>
+    <a:masterClrMapping/>
+  </p:clrMapOvr>
+</p:sld>
+</file>
+
+<file path=ppt/slides/slide49.xml><?xml version="1.0" encoding="utf-8"?>
+<p:sld xmlns:a="http://schemas.openxmlformats.org/drawingml/2006/main" xmlns:r="http://schemas.openxmlformats.org/officeDocument/2006/relationships" xmlns:p="http://schemas.openxmlformats.org/presentationml/2006/main">
+  <p:cSld>
+    <p:spTree>
+      <p:nvGrpSpPr>
+        <p:cNvPr id="1" name=""/>
+        <p:cNvGrpSpPr/>
+        <p:nvPr/>
+      </p:nvGrpSpPr>
+      <p:grpSpPr>
+        <a:xfrm>
+          <a:off x="0" y="0"/>
+          <a:ext cx="0" cy="0"/>
+          <a:chOff x="0" y="0"/>
+          <a:chExt cx="0" cy="0"/>
+        </a:xfrm>
+      </p:grpSpPr>
+      <p:sp>
+        <p:nvSpPr>
+          <p:cNvPr id="47108" name="Rectangle 4"/>
+          <p:cNvSpPr>
+            <a:spLocks noGrp="1" noChangeArrowheads="1"/>
+          </p:cNvSpPr>
+          <p:nvPr>
+            <p:ph type="title"/>
+          </p:nvPr>
+        </p:nvSpPr>
+        <p:spPr>
+          <a:xfrm>
+            <a:off x="457200" y="2912018"/>
+            <a:ext cx="8229600" cy="1143000"/>
+          </a:xfrm>
+        </p:spPr>
+        <p:txBody>
+          <a:bodyPr/>
+          <a:lstStyle/>
+          <a:p>
+            <a:r>
+              <a:rPr lang="en-US" dirty="0"/>
+              <a:t>KISS</a:t>
+            </a:r>
+          </a:p>
+        </p:txBody>
+      </p:sp>
+    </p:spTree>
+    <p:extLst>
+      <p:ext uri="{BB962C8B-B14F-4D97-AF65-F5344CB8AC3E}">
+        <p14:creationId xmlns:p14="http://schemas.microsoft.com/office/powerpoint/2010/main" val="2101536445"/>
       </p:ext>
     </p:extLst>
   </p:cSld>
@@ -14546,6 +14708,58 @@
     <p:extLst>
       <p:ext uri="{BB962C8B-B14F-4D97-AF65-F5344CB8AC3E}">
         <p14:creationId xmlns:p14="http://schemas.microsoft.com/office/powerpoint/2010/main" val="3300257275"/>
+      </p:ext>
+    </p:extLst>
+  </p:cSld>
+  <p:clrMapOvr>
+    <a:masterClrMapping/>
+  </p:clrMapOvr>
+</p:sld>
+</file>
+
+<file path=ppt/slides/slide50.xml><?xml version="1.0" encoding="utf-8"?>
+<p:sld xmlns:a="http://schemas.openxmlformats.org/drawingml/2006/main" xmlns:r="http://schemas.openxmlformats.org/officeDocument/2006/relationships" xmlns:p="http://schemas.openxmlformats.org/presentationml/2006/main">
+  <p:cSld>
+    <p:spTree>
+      <p:nvGrpSpPr>
+        <p:cNvPr id="1" name=""/>
+        <p:cNvGrpSpPr/>
+        <p:nvPr/>
+      </p:nvGrpSpPr>
+      <p:grpSpPr>
+        <a:xfrm>
+          <a:off x="0" y="0"/>
+          <a:ext cx="0" cy="0"/>
+          <a:chOff x="0" y="0"/>
+          <a:chExt cx="0" cy="0"/>
+        </a:xfrm>
+      </p:grpSpPr>
+      <p:sp>
+        <p:nvSpPr>
+          <p:cNvPr id="49158" name="Rectangle 6"/>
+          <p:cNvSpPr>
+            <a:spLocks noGrp="1" noChangeArrowheads="1"/>
+          </p:cNvSpPr>
+          <p:nvPr>
+            <p:ph type="title"/>
+          </p:nvPr>
+        </p:nvSpPr>
+        <p:spPr/>
+        <p:txBody>
+          <a:bodyPr/>
+          <a:lstStyle/>
+          <a:p>
+            <a:r>
+              <a:rPr lang="en-US"/>
+              <a:t>Questions?</a:t>
+            </a:r>
+          </a:p>
+        </p:txBody>
+      </p:sp>
+    </p:spTree>
+    <p:extLst>
+      <p:ext uri="{BB962C8B-B14F-4D97-AF65-F5344CB8AC3E}">
+        <p14:creationId xmlns:p14="http://schemas.microsoft.com/office/powerpoint/2010/main" val="2082390290"/>
       </p:ext>
     </p:extLst>
   </p:cSld>

--- a/presentations/source/07-CaseStudies.pptx
+++ b/presentations/source/07-CaseStudies.pptx
@@ -5081,11 +5081,22 @@
                 <a:ea typeface="ヒラギノ角ゴ ProN W3" charset="0"/>
                 <a:cs typeface="ヒラギノ角ゴ ProN W3" charset="0"/>
               </a:rPr>
-              <a:t>Dec 2012</a:t>
-            </a:r>
-          </a:p>
-          <a:p>
-            <a:endParaRPr lang="en-US"/>
+              <a:t>Dec </a:t>
+            </a:r>
+            <a:r>
+              <a:rPr lang="en-US" smtClean="0">
+                <a:ea typeface="ヒラギノ角ゴ ProN W3" charset="0"/>
+                <a:cs typeface="ヒラギノ角ゴ ProN W3" charset="0"/>
+              </a:rPr>
+              <a:t>2013</a:t>
+            </a:r>
+            <a:endParaRPr lang="en-US" dirty="0">
+              <a:ea typeface="ヒラギノ角ゴ ProN W3" charset="0"/>
+              <a:cs typeface="ヒラギノ角ゴ ProN W3" charset="0"/>
+            </a:endParaRPr>
+          </a:p>
+          <a:p>
+            <a:endParaRPr lang="en-US" dirty="0"/>
           </a:p>
         </p:txBody>
       </p:sp>
@@ -7046,7 +7057,7 @@
           <a:graphicData uri="http://schemas.openxmlformats.org/presentationml/2006/ole">
             <mc:AlternateContent xmlns:mc="http://schemas.openxmlformats.org/markup-compatibility/2006">
               <mc:Choice xmlns:v="urn:schemas-microsoft-com:vml" Requires="v">
-                <p:oleObj spid="_x0000_s4107" name="Bitmap Image" r:id="rId3" imgW="1305107" imgH="647619" progId="Paint.Picture">
+                <p:oleObj spid="_x0000_s4109" name="Bitmap Image" r:id="rId3" imgW="1305107" imgH="647619" progId="Paint.Picture">
                   <p:embed/>
                 </p:oleObj>
               </mc:Choice>
@@ -9182,7 +9193,7 @@
           <a:graphicData uri="http://schemas.openxmlformats.org/presentationml/2006/ole">
             <mc:AlternateContent xmlns:mc="http://schemas.openxmlformats.org/markup-compatibility/2006">
               <mc:Choice xmlns:v="urn:schemas-microsoft-com:vml" Requires="v">
-                <p:oleObj spid="_x0000_s1033" name="Bitmap Image" r:id="rId4" imgW="2381582" imgH="1009791" progId="Paint.Picture">
+                <p:oleObj spid="_x0000_s1035" name="Bitmap Image" r:id="rId4" imgW="2381582" imgH="1009791" progId="Paint.Picture">
                   <p:embed/>
                 </p:oleObj>
               </mc:Choice>
@@ -10040,7 +10051,7 @@
           <a:graphicData uri="http://schemas.openxmlformats.org/presentationml/2006/ole">
             <mc:AlternateContent xmlns:mc="http://schemas.openxmlformats.org/markup-compatibility/2006">
               <mc:Choice xmlns:v="urn:schemas-microsoft-com:vml" Requires="v">
-                <p:oleObj spid="_x0000_s14347" name="Bitmap Image" r:id="rId3" imgW="1533739" imgH="990738" progId="Paint.Picture">
+                <p:oleObj spid="_x0000_s14349" name="Bitmap Image" r:id="rId3" imgW="1533739" imgH="990738" progId="Paint.Picture">
                   <p:embed/>
                 </p:oleObj>
               </mc:Choice>
@@ -11737,7 +11748,7 @@
           <a:graphicData uri="http://schemas.openxmlformats.org/presentationml/2006/ole">
             <mc:AlternateContent xmlns:mc="http://schemas.openxmlformats.org/markup-compatibility/2006">
               <mc:Choice xmlns:v="urn:schemas-microsoft-com:vml" Requires="v">
-                <p:oleObj spid="_x0000_s22539" name="Bitmap Image" r:id="rId3" imgW="6638095" imgH="5866667" progId="Paint.Picture">
+                <p:oleObj spid="_x0000_s22541" name="Bitmap Image" r:id="rId3" imgW="6638095" imgH="5866667" progId="Paint.Picture">
                   <p:embed/>
                 </p:oleObj>
               </mc:Choice>

--- a/presentations/source/07-CaseStudies.pptx
+++ b/presentations/source/07-CaseStudies.pptx
@@ -246,7 +246,7 @@
             <a:fld id="{7307762F-A706-E543-A832-3C298AA3103F}" type="datetimeFigureOut">
               <a:rPr lang="en-US" smtClean="0"/>
               <a:pPr/>
-              <a:t>11/27/13</a:t>
+              <a:t>11/21/14</a:t>
             </a:fld>
             <a:endParaRPr lang="en-US" dirty="0"/>
           </a:p>
@@ -1970,7 +1970,7 @@
           <a:p>
             <a:fld id="{875CF0EB-321F-0749-B37A-89BBA859503C}" type="datetimeFigureOut">
               <a:rPr lang="en-US" smtClean="0"/>
-              <a:t>11/27/13</a:t>
+              <a:t>11/21/14</a:t>
             </a:fld>
             <a:endParaRPr lang="en-US"/>
           </a:p>
@@ -2174,7 +2174,7 @@
           <a:p>
             <a:fld id="{875CF0EB-321F-0749-B37A-89BBA859503C}" type="datetimeFigureOut">
               <a:rPr lang="en-US" smtClean="0"/>
-              <a:t>11/27/13</a:t>
+              <a:t>11/21/14</a:t>
             </a:fld>
             <a:endParaRPr lang="en-US"/>
           </a:p>
@@ -2368,7 +2368,7 @@
           <a:p>
             <a:fld id="{875CF0EB-321F-0749-B37A-89BBA859503C}" type="datetimeFigureOut">
               <a:rPr lang="en-US" smtClean="0"/>
-              <a:t>11/27/13</a:t>
+              <a:t>11/21/14</a:t>
             </a:fld>
             <a:endParaRPr lang="en-US"/>
           </a:p>
@@ -2638,7 +2638,7 @@
           <a:p>
             <a:fld id="{875CF0EB-321F-0749-B37A-89BBA859503C}" type="datetimeFigureOut">
               <a:rPr lang="en-US" smtClean="0"/>
-              <a:t>11/27/13</a:t>
+              <a:t>11/21/14</a:t>
             </a:fld>
             <a:endParaRPr lang="en-US"/>
           </a:p>
@@ -2950,7 +2950,7 @@
           <a:p>
             <a:fld id="{875CF0EB-321F-0749-B37A-89BBA859503C}" type="datetimeFigureOut">
               <a:rPr lang="en-US" smtClean="0"/>
-              <a:t>11/27/13</a:t>
+              <a:t>11/21/14</a:t>
             </a:fld>
             <a:endParaRPr lang="en-US"/>
           </a:p>
@@ -3396,7 +3396,7 @@
           <a:p>
             <a:fld id="{875CF0EB-321F-0749-B37A-89BBA859503C}" type="datetimeFigureOut">
               <a:rPr lang="en-US" smtClean="0"/>
-              <a:t>11/27/13</a:t>
+              <a:t>11/21/14</a:t>
             </a:fld>
             <a:endParaRPr lang="en-US"/>
           </a:p>
@@ -3538,7 +3538,7 @@
           <a:p>
             <a:fld id="{875CF0EB-321F-0749-B37A-89BBA859503C}" type="datetimeFigureOut">
               <a:rPr lang="en-US" smtClean="0"/>
-              <a:t>11/27/13</a:t>
+              <a:t>11/21/14</a:t>
             </a:fld>
             <a:endParaRPr lang="en-US"/>
           </a:p>
@@ -3657,7 +3657,7 @@
           <a:p>
             <a:fld id="{875CF0EB-321F-0749-B37A-89BBA859503C}" type="datetimeFigureOut">
               <a:rPr lang="en-US" smtClean="0"/>
-              <a:t>11/27/13</a:t>
+              <a:t>11/21/14</a:t>
             </a:fld>
             <a:endParaRPr lang="en-US"/>
           </a:p>
@@ -3958,7 +3958,7 @@
           <a:p>
             <a:fld id="{875CF0EB-321F-0749-B37A-89BBA859503C}" type="datetimeFigureOut">
               <a:rPr lang="en-US" smtClean="0"/>
-              <a:t>11/27/13</a:t>
+              <a:t>11/21/14</a:t>
             </a:fld>
             <a:endParaRPr lang="en-US"/>
           </a:p>
@@ -4235,7 +4235,7 @@
           <a:p>
             <a:fld id="{875CF0EB-321F-0749-B37A-89BBA859503C}" type="datetimeFigureOut">
               <a:rPr lang="en-US" smtClean="0"/>
-              <a:t>11/27/13</a:t>
+              <a:t>11/21/14</a:t>
             </a:fld>
             <a:endParaRPr lang="en-US"/>
           </a:p>
@@ -5088,7 +5088,7 @@
                 <a:ea typeface="ヒラギノ角ゴ ProN W3" charset="0"/>
                 <a:cs typeface="ヒラギノ角ゴ ProN W3" charset="0"/>
               </a:rPr>
-              <a:t>2013</a:t>
+              <a:t>2014</a:t>
             </a:r>
             <a:endParaRPr lang="en-US" dirty="0">
               <a:ea typeface="ヒラギノ角ゴ ProN W3" charset="0"/>
@@ -7057,7 +7057,7 @@
           <a:graphicData uri="http://schemas.openxmlformats.org/presentationml/2006/ole">
             <mc:AlternateContent xmlns:mc="http://schemas.openxmlformats.org/markup-compatibility/2006">
               <mc:Choice xmlns:v="urn:schemas-microsoft-com:vml" Requires="v">
-                <p:oleObj spid="_x0000_s4109" name="Bitmap Image" r:id="rId3" imgW="1305107" imgH="647619" progId="Paint.Picture">
+                <p:oleObj spid="_x0000_s4111" name="Bitmap Image" r:id="rId3" imgW="1305107" imgH="647619" progId="Paint.Picture">
                   <p:embed/>
                 </p:oleObj>
               </mc:Choice>
@@ -9193,7 +9193,7 @@
           <a:graphicData uri="http://schemas.openxmlformats.org/presentationml/2006/ole">
             <mc:AlternateContent xmlns:mc="http://schemas.openxmlformats.org/markup-compatibility/2006">
               <mc:Choice xmlns:v="urn:schemas-microsoft-com:vml" Requires="v">
-                <p:oleObj spid="_x0000_s1035" name="Bitmap Image" r:id="rId4" imgW="2381582" imgH="1009791" progId="Paint.Picture">
+                <p:oleObj spid="_x0000_s1037" name="Bitmap Image" r:id="rId4" imgW="2381582" imgH="1009791" progId="Paint.Picture">
                   <p:embed/>
                 </p:oleObj>
               </mc:Choice>
@@ -10051,7 +10051,7 @@
           <a:graphicData uri="http://schemas.openxmlformats.org/presentationml/2006/ole">
             <mc:AlternateContent xmlns:mc="http://schemas.openxmlformats.org/markup-compatibility/2006">
               <mc:Choice xmlns:v="urn:schemas-microsoft-com:vml" Requires="v">
-                <p:oleObj spid="_x0000_s14349" name="Bitmap Image" r:id="rId3" imgW="1533739" imgH="990738" progId="Paint.Picture">
+                <p:oleObj spid="_x0000_s14351" name="Bitmap Image" r:id="rId3" imgW="1533739" imgH="990738" progId="Paint.Picture">
                   <p:embed/>
                 </p:oleObj>
               </mc:Choice>
@@ -11748,7 +11748,7 @@
           <a:graphicData uri="http://schemas.openxmlformats.org/presentationml/2006/ole">
             <mc:AlternateContent xmlns:mc="http://schemas.openxmlformats.org/markup-compatibility/2006">
               <mc:Choice xmlns:v="urn:schemas-microsoft-com:vml" Requires="v">
-                <p:oleObj spid="_x0000_s22541" name="Bitmap Image" r:id="rId3" imgW="6638095" imgH="5866667" progId="Paint.Picture">
+                <p:oleObj spid="_x0000_s22543" name="Bitmap Image" r:id="rId3" imgW="6638095" imgH="5866667" progId="Paint.Picture">
                   <p:embed/>
                 </p:oleObj>
               </mc:Choice>

--- a/presentations/source/07-CaseStudies.pptx
+++ b/presentations/source/07-CaseStudies.pptx
@@ -246,7 +246,7 @@
             <a:fld id="{7307762F-A706-E543-A832-3C298AA3103F}" type="datetimeFigureOut">
               <a:rPr lang="en-US" smtClean="0"/>
               <a:pPr/>
-              <a:t>11/21/14</a:t>
+              <a:t>08/09/15</a:t>
             </a:fld>
             <a:endParaRPr lang="en-US" dirty="0"/>
           </a:p>
@@ -1970,7 +1970,7 @@
           <a:p>
             <a:fld id="{875CF0EB-321F-0749-B37A-89BBA859503C}" type="datetimeFigureOut">
               <a:rPr lang="en-US" smtClean="0"/>
-              <a:t>11/21/14</a:t>
+              <a:t>08/09/15</a:t>
             </a:fld>
             <a:endParaRPr lang="en-US"/>
           </a:p>
@@ -2174,7 +2174,7 @@
           <a:p>
             <a:fld id="{875CF0EB-321F-0749-B37A-89BBA859503C}" type="datetimeFigureOut">
               <a:rPr lang="en-US" smtClean="0"/>
-              <a:t>11/21/14</a:t>
+              <a:t>08/09/15</a:t>
             </a:fld>
             <a:endParaRPr lang="en-US"/>
           </a:p>
@@ -2368,7 +2368,7 @@
           <a:p>
             <a:fld id="{875CF0EB-321F-0749-B37A-89BBA859503C}" type="datetimeFigureOut">
               <a:rPr lang="en-US" smtClean="0"/>
-              <a:t>11/21/14</a:t>
+              <a:t>08/09/15</a:t>
             </a:fld>
             <a:endParaRPr lang="en-US"/>
           </a:p>
@@ -2638,7 +2638,7 @@
           <a:p>
             <a:fld id="{875CF0EB-321F-0749-B37A-89BBA859503C}" type="datetimeFigureOut">
               <a:rPr lang="en-US" smtClean="0"/>
-              <a:t>11/21/14</a:t>
+              <a:t>08/09/15</a:t>
             </a:fld>
             <a:endParaRPr lang="en-US"/>
           </a:p>
@@ -2950,7 +2950,7 @@
           <a:p>
             <a:fld id="{875CF0EB-321F-0749-B37A-89BBA859503C}" type="datetimeFigureOut">
               <a:rPr lang="en-US" smtClean="0"/>
-              <a:t>11/21/14</a:t>
+              <a:t>08/09/15</a:t>
             </a:fld>
             <a:endParaRPr lang="en-US"/>
           </a:p>
@@ -3396,7 +3396,7 @@
           <a:p>
             <a:fld id="{875CF0EB-321F-0749-B37A-89BBA859503C}" type="datetimeFigureOut">
               <a:rPr lang="en-US" smtClean="0"/>
-              <a:t>11/21/14</a:t>
+              <a:t>08/09/15</a:t>
             </a:fld>
             <a:endParaRPr lang="en-US"/>
           </a:p>
@@ -3538,7 +3538,7 @@
           <a:p>
             <a:fld id="{875CF0EB-321F-0749-B37A-89BBA859503C}" type="datetimeFigureOut">
               <a:rPr lang="en-US" smtClean="0"/>
-              <a:t>11/21/14</a:t>
+              <a:t>08/09/15</a:t>
             </a:fld>
             <a:endParaRPr lang="en-US"/>
           </a:p>
@@ -3657,7 +3657,7 @@
           <a:p>
             <a:fld id="{875CF0EB-321F-0749-B37A-89BBA859503C}" type="datetimeFigureOut">
               <a:rPr lang="en-US" smtClean="0"/>
-              <a:t>11/21/14</a:t>
+              <a:t>08/09/15</a:t>
             </a:fld>
             <a:endParaRPr lang="en-US"/>
           </a:p>
@@ -3958,7 +3958,7 @@
           <a:p>
             <a:fld id="{875CF0EB-321F-0749-B37A-89BBA859503C}" type="datetimeFigureOut">
               <a:rPr lang="en-US" smtClean="0"/>
-              <a:t>11/21/14</a:t>
+              <a:t>08/09/15</a:t>
             </a:fld>
             <a:endParaRPr lang="en-US"/>
           </a:p>
@@ -4235,7 +4235,7 @@
           <a:p>
             <a:fld id="{875CF0EB-321F-0749-B37A-89BBA859503C}" type="datetimeFigureOut">
               <a:rPr lang="en-US" smtClean="0"/>
-              <a:t>11/21/14</a:t>
+              <a:t>08/09/15</a:t>
             </a:fld>
             <a:endParaRPr lang="en-US"/>
           </a:p>
@@ -5077,18 +5077,11 @@
           </a:p>
           <a:p>
             <a:r>
-              <a:rPr lang="en-US">
-                <a:ea typeface="ヒラギノ角ゴ ProN W3" charset="0"/>
-                <a:cs typeface="ヒラギノ角ゴ ProN W3" charset="0"/>
-              </a:rPr>
-              <a:t>Dec </a:t>
-            </a:r>
-            <a:r>
               <a:rPr lang="en-US" smtClean="0">
                 <a:ea typeface="ヒラギノ角ゴ ProN W3" charset="0"/>
                 <a:cs typeface="ヒラギノ角ゴ ProN W3" charset="0"/>
               </a:rPr>
-              <a:t>2014</a:t>
+              <a:t>Sep 2015</a:t>
             </a:r>
             <a:endParaRPr lang="en-US" dirty="0">
               <a:ea typeface="ヒラギノ角ゴ ProN W3" charset="0"/>
@@ -7057,7 +7050,7 @@
           <a:graphicData uri="http://schemas.openxmlformats.org/presentationml/2006/ole">
             <mc:AlternateContent xmlns:mc="http://schemas.openxmlformats.org/markup-compatibility/2006">
               <mc:Choice xmlns:v="urn:schemas-microsoft-com:vml" Requires="v">
-                <p:oleObj spid="_x0000_s4111" name="Bitmap Image" r:id="rId3" imgW="1305107" imgH="647619" progId="Paint.Picture">
+                <p:oleObj spid="_x0000_s4113" name="Bitmap Image" r:id="rId3" imgW="1305107" imgH="647619" progId="Paint.Picture">
                   <p:embed/>
                 </p:oleObj>
               </mc:Choice>
@@ -9193,7 +9186,7 @@
           <a:graphicData uri="http://schemas.openxmlformats.org/presentationml/2006/ole">
             <mc:AlternateContent xmlns:mc="http://schemas.openxmlformats.org/markup-compatibility/2006">
               <mc:Choice xmlns:v="urn:schemas-microsoft-com:vml" Requires="v">
-                <p:oleObj spid="_x0000_s1037" name="Bitmap Image" r:id="rId4" imgW="2381582" imgH="1009791" progId="Paint.Picture">
+                <p:oleObj spid="_x0000_s1039" name="Bitmap Image" r:id="rId4" imgW="2381582" imgH="1009791" progId="Paint.Picture">
                   <p:embed/>
                 </p:oleObj>
               </mc:Choice>
@@ -10051,7 +10044,7 @@
           <a:graphicData uri="http://schemas.openxmlformats.org/presentationml/2006/ole">
             <mc:AlternateContent xmlns:mc="http://schemas.openxmlformats.org/markup-compatibility/2006">
               <mc:Choice xmlns:v="urn:schemas-microsoft-com:vml" Requires="v">
-                <p:oleObj spid="_x0000_s14351" name="Bitmap Image" r:id="rId3" imgW="1533739" imgH="990738" progId="Paint.Picture">
+                <p:oleObj spid="_x0000_s14353" name="Bitmap Image" r:id="rId3" imgW="1533739" imgH="990738" progId="Paint.Picture">
                   <p:embed/>
                 </p:oleObj>
               </mc:Choice>
@@ -11748,7 +11741,7 @@
           <a:graphicData uri="http://schemas.openxmlformats.org/presentationml/2006/ole">
             <mc:AlternateContent xmlns:mc="http://schemas.openxmlformats.org/markup-compatibility/2006">
               <mc:Choice xmlns:v="urn:schemas-microsoft-com:vml" Requires="v">
-                <p:oleObj spid="_x0000_s22543" name="Bitmap Image" r:id="rId3" imgW="6638095" imgH="5866667" progId="Paint.Picture">
+                <p:oleObj spid="_x0000_s22545" name="Bitmap Image" r:id="rId3" imgW="6638095" imgH="5866667" progId="Paint.Picture">
                   <p:embed/>
                 </p:oleObj>
               </mc:Choice>
